--- a/olympicDataAnalysis.pptx
+++ b/olympicDataAnalysis.pptx
@@ -6941,7 +6941,28 @@
                 <a:latin typeface="Times New Roman" panose="02020603050405020304" pitchFamily="18" charset="0"/>
                 <a:cs typeface="Times New Roman" panose="02020603050405020304" pitchFamily="18" charset="0"/>
               </a:rPr>
-              <a:t>Data Analysis with Spotify Data analysis dataset from the </a:t>
+              <a:t>Data Analysis with </a:t>
+            </a:r>
+            <a:r>
+              <a:rPr lang="en-GB" sz="2400" dirty="0" err="1">
+                <a:solidFill>
+                  <a:schemeClr val="tx1"/>
+                </a:solidFill>
+                <a:latin typeface="Times New Roman" panose="02020603050405020304" pitchFamily="18" charset="0"/>
+                <a:cs typeface="Times New Roman" panose="02020603050405020304" pitchFamily="18" charset="0"/>
+              </a:rPr>
+              <a:t>olympic</a:t>
+            </a:r>
+            <a:r>
+              <a:rPr lang="en-GB" sz="2400" b="0" i="0" dirty="0">
+                <a:solidFill>
+                  <a:schemeClr val="tx1"/>
+                </a:solidFill>
+                <a:effectLst/>
+                <a:latin typeface="Times New Roman" panose="02020603050405020304" pitchFamily="18" charset="0"/>
+                <a:cs typeface="Times New Roman" panose="02020603050405020304" pitchFamily="18" charset="0"/>
+              </a:rPr>
+              <a:t> Data analysis dataset from the </a:t>
             </a:r>
             <a:r>
               <a:rPr lang="en-GB" sz="2400" dirty="0">

--- a/olympicDataAnalysis.pptx
+++ b/olympicDataAnalysis.pptx
@@ -4029,7 +4029,7 @@
         </p:nvSpPr>
         <p:spPr>
           <a:xfrm>
-            <a:off x="1135381" y="3947160"/>
+            <a:off x="1712430" y="3661527"/>
             <a:ext cx="1760219" cy="815340"/>
           </a:xfrm>
         </p:spPr>
@@ -6983,7 +6983,29 @@
                 <a:latin typeface="Times New Roman" panose="02020603050405020304" pitchFamily="18" charset="0"/>
                 <a:cs typeface="Times New Roman" panose="02020603050405020304" pitchFamily="18" charset="0"/>
               </a:rPr>
-              <a:t>. Dataset has been downloaded from. The dataset contains two files: spotifydataset.csv and trackes.csv. The file used for this analysis is matches.csv.</a:t>
+              <a:t>. Dataset has been downloaded from</a:t>
+            </a:r>
+            <a:r>
+              <a:rPr lang="en-GB" sz="2400" b="0" i="0">
+                <a:solidFill>
+                  <a:schemeClr val="tx1"/>
+                </a:solidFill>
+                <a:effectLst/>
+                <a:latin typeface="Times New Roman" panose="02020603050405020304" pitchFamily="18" charset="0"/>
+                <a:cs typeface="Times New Roman" panose="02020603050405020304" pitchFamily="18" charset="0"/>
+              </a:rPr>
+              <a:t>. The </a:t>
+            </a:r>
+            <a:r>
+              <a:rPr lang="en-GB" sz="2400" b="0" i="0" dirty="0">
+                <a:solidFill>
+                  <a:schemeClr val="tx1"/>
+                </a:solidFill>
+                <a:effectLst/>
+                <a:latin typeface="Times New Roman" panose="02020603050405020304" pitchFamily="18" charset="0"/>
+                <a:cs typeface="Times New Roman" panose="02020603050405020304" pitchFamily="18" charset="0"/>
+              </a:rPr>
+              <a:t>file used for this analysis is matches.csv.</a:t>
             </a:r>
             <a:endParaRPr lang="en-IN" sz="2400" dirty="0">
               <a:solidFill>
